--- a/Medical Insurance.pptx
+++ b/Medical Insurance.pptx
@@ -6,7 +6,7 @@
     <p:sldMasterId id="2147483804" r:id="rId2"/>
   </p:sldMasterIdLst>
   <p:notesMasterIdLst>
-    <p:notesMasterId r:id="rId19"/>
+    <p:notesMasterId r:id="rId20"/>
   </p:notesMasterIdLst>
   <p:sldIdLst>
     <p:sldId id="256" r:id="rId3"/>
@@ -23,8 +23,9 @@
     <p:sldId id="270" r:id="rId14"/>
     <p:sldId id="272" r:id="rId15"/>
     <p:sldId id="273" r:id="rId16"/>
-    <p:sldId id="261" r:id="rId17"/>
-    <p:sldId id="262" r:id="rId18"/>
+    <p:sldId id="274" r:id="rId17"/>
+    <p:sldId id="261" r:id="rId18"/>
+    <p:sldId id="262" r:id="rId19"/>
   </p:sldIdLst>
   <p:sldSz cx="9144000" cy="6858000" type="screen4x3"/>
   <p:notesSz cx="6858000" cy="9144000"/>
@@ -208,7 +209,7 @@
           <a:p>
             <a:fld id="{BDD8FFB0-EA4F-4B85-AD2E-6643FDE8262F}" type="datetimeFigureOut">
               <a:rPr lang="en-US" smtClean="0"/>
-              <a:t>7/12/2020</a:t>
+              <a:t>8/3/2020</a:t>
             </a:fld>
             <a:endParaRPr lang="en-US"/>
           </a:p>
@@ -587,7 +588,7 @@
           <a:p>
             <a:fld id="{5D3E8107-698C-402F-BC59-BAB4AF391B5E}" type="datetime1">
               <a:rPr lang="en-US" smtClean="0"/>
-              <a:t>7/12/2020</a:t>
+              <a:t>8/3/2020</a:t>
             </a:fld>
             <a:endParaRPr lang="en-US"/>
           </a:p>
@@ -813,7 +814,7 @@
           <a:p>
             <a:fld id="{9E064A1A-51A1-4B27-93AF-2B4A5AF5D238}" type="datetime1">
               <a:rPr lang="en-US" smtClean="0"/>
-              <a:t>7/12/2020</a:t>
+              <a:t>8/3/2020</a:t>
             </a:fld>
             <a:endParaRPr lang="en-US"/>
           </a:p>
@@ -988,7 +989,7 @@
           <a:p>
             <a:fld id="{EB9AC3F5-F233-45EA-944B-B7279D232C37}" type="datetime1">
               <a:rPr lang="en-US" smtClean="0"/>
-              <a:t>7/12/2020</a:t>
+              <a:t>8/3/2020</a:t>
             </a:fld>
             <a:endParaRPr lang="en-US"/>
           </a:p>
@@ -1428,7 +1429,7 @@
           <a:p>
             <a:fld id="{E17BE486-4ACD-4F35-A551-39663BB39399}" type="datetime1">
               <a:rPr lang="en-US" smtClean="0"/>
-              <a:t>7/12/2020</a:t>
+              <a:t>8/3/2020</a:t>
             </a:fld>
             <a:endParaRPr lang="en-US"/>
           </a:p>
@@ -1597,7 +1598,7 @@
           <a:p>
             <a:fld id="{472BFF59-79D7-4D4B-A47C-1469C57D7D64}" type="datetime1">
               <a:rPr lang="en-US" smtClean="0"/>
-              <a:t>7/12/2020</a:t>
+              <a:t>8/3/2020</a:t>
             </a:fld>
             <a:endParaRPr lang="en-US"/>
           </a:p>
@@ -2052,7 +2053,7 @@
           <a:p>
             <a:fld id="{31CF8BAB-6500-4950-8A78-65C45C8462A0}" type="datetime1">
               <a:rPr lang="en-US" smtClean="0"/>
-              <a:t>7/12/2020</a:t>
+              <a:t>8/3/2020</a:t>
             </a:fld>
             <a:endParaRPr lang="en-US"/>
           </a:p>
@@ -2316,7 +2317,7 @@
           <a:p>
             <a:fld id="{4DEF4463-D9C8-443F-B052-0AC30DB81FB7}" type="datetime1">
               <a:rPr lang="en-US" smtClean="0"/>
-              <a:t>7/12/2020</a:t>
+              <a:t>8/3/2020</a:t>
             </a:fld>
             <a:endParaRPr lang="en-US"/>
           </a:p>
@@ -2690,7 +2691,7 @@
           <a:p>
             <a:fld id="{BEDF48CA-9176-4811-BC36-11704D258D26}" type="datetime1">
               <a:rPr lang="en-US" smtClean="0"/>
-              <a:t>7/12/2020</a:t>
+              <a:t>8/3/2020</a:t>
             </a:fld>
             <a:endParaRPr lang="en-US"/>
           </a:p>
@@ -2812,7 +2813,7 @@
           <a:p>
             <a:fld id="{D010F044-6FDF-4FA3-9F45-4DC350F8667E}" type="datetime1">
               <a:rPr lang="en-US" smtClean="0"/>
-              <a:t>7/12/2020</a:t>
+              <a:t>8/3/2020</a:t>
             </a:fld>
             <a:endParaRPr lang="en-US"/>
           </a:p>
@@ -2902,7 +2903,7 @@
           <a:p>
             <a:fld id="{3B7127CB-E670-4175-BB44-A718611D8868}" type="datetime1">
               <a:rPr lang="en-US" smtClean="0"/>
-              <a:t>7/12/2020</a:t>
+              <a:t>8/3/2020</a:t>
             </a:fld>
             <a:endParaRPr lang="en-US"/>
           </a:p>
@@ -3151,7 +3152,7 @@
           <a:p>
             <a:fld id="{22F50B9E-2796-4187-94EC-1DF9E0CE1588}" type="datetime1">
               <a:rPr lang="en-US" smtClean="0"/>
-              <a:t>7/12/2020</a:t>
+              <a:t>8/3/2020</a:t>
             </a:fld>
             <a:endParaRPr lang="en-US"/>
           </a:p>
@@ -3321,7 +3322,7 @@
           <a:p>
             <a:fld id="{5EAE9C52-51C8-435F-BB34-850F18D34832}" type="datetime1">
               <a:rPr lang="en-US" smtClean="0"/>
-              <a:t>7/12/2020</a:t>
+              <a:t>8/3/2020</a:t>
             </a:fld>
             <a:endParaRPr lang="en-US"/>
           </a:p>
@@ -3575,7 +3576,7 @@
           <a:p>
             <a:fld id="{9F8B6F30-4D55-4FA4-A555-CF77C2A3501C}" type="datetime1">
               <a:rPr lang="en-US" smtClean="0"/>
-              <a:t>7/12/2020</a:t>
+              <a:t>8/3/2020</a:t>
             </a:fld>
             <a:endParaRPr lang="en-US"/>
           </a:p>
@@ -3740,7 +3741,7 @@
           <a:p>
             <a:fld id="{ECC0C0C5-104C-4ECA-9DF7-49A7A0EC486A}" type="datetime1">
               <a:rPr lang="en-US" smtClean="0"/>
-              <a:t>7/12/2020</a:t>
+              <a:t>8/3/2020</a:t>
             </a:fld>
             <a:endParaRPr lang="en-US"/>
           </a:p>
@@ -3915,7 +3916,7 @@
           <a:p>
             <a:fld id="{78E2DA70-60FE-454E-B5D4-06333032EBCF}" type="datetime1">
               <a:rPr lang="en-US" smtClean="0"/>
-              <a:t>7/12/2020</a:t>
+              <a:t>8/3/2020</a:t>
             </a:fld>
             <a:endParaRPr lang="en-US"/>
           </a:p>
@@ -4159,7 +4160,7 @@
           <a:p>
             <a:fld id="{E53ED68A-576F-44C9-B13E-831C4CD27572}" type="datetime1">
               <a:rPr lang="en-US" smtClean="0"/>
-              <a:t>7/12/2020</a:t>
+              <a:t>8/3/2020</a:t>
             </a:fld>
             <a:endParaRPr lang="en-US"/>
           </a:p>
@@ -4423,7 +4424,7 @@
           <a:p>
             <a:fld id="{F2BA56F3-CB4D-420B-AE03-9FF8480B737B}" type="datetime1">
               <a:rPr lang="en-US" smtClean="0"/>
-              <a:t>7/12/2020</a:t>
+              <a:t>8/3/2020</a:t>
             </a:fld>
             <a:endParaRPr lang="en-US"/>
           </a:p>
@@ -4797,7 +4798,7 @@
           <a:p>
             <a:fld id="{AF84C440-6CE5-45C0-8F4A-304014D116FA}" type="datetime1">
               <a:rPr lang="en-US" smtClean="0"/>
-              <a:t>7/12/2020</a:t>
+              <a:t>8/3/2020</a:t>
             </a:fld>
             <a:endParaRPr lang="en-US"/>
           </a:p>
@@ -4910,7 +4911,7 @@
           <a:p>
             <a:fld id="{FA3A5278-E2AC-4360-8696-F4E68AAAA315}" type="datetime1">
               <a:rPr lang="en-US" smtClean="0"/>
-              <a:t>7/12/2020</a:t>
+              <a:t>8/3/2020</a:t>
             </a:fld>
             <a:endParaRPr lang="en-US"/>
           </a:p>
@@ -5000,7 +5001,7 @@
           <a:p>
             <a:fld id="{144B95EC-1303-4E04-B084-A4E7968E1182}" type="datetime1">
               <a:rPr lang="en-US" smtClean="0"/>
-              <a:t>7/12/2020</a:t>
+              <a:t>8/3/2020</a:t>
             </a:fld>
             <a:endParaRPr lang="en-US"/>
           </a:p>
@@ -5258,7 +5259,7 @@
           <a:p>
             <a:fld id="{358588F9-DA55-43D4-BBB8-A9D2E8A831C1}" type="datetime1">
               <a:rPr lang="en-US" smtClean="0"/>
-              <a:t>7/12/2020</a:t>
+              <a:t>8/3/2020</a:t>
             </a:fld>
             <a:endParaRPr lang="en-US"/>
           </a:p>
@@ -5522,7 +5523,7 @@
           <a:p>
             <a:fld id="{FB0832AA-BD54-4699-9683-938DD54A8559}" type="datetime1">
               <a:rPr lang="en-US" smtClean="0"/>
-              <a:t>7/12/2020</a:t>
+              <a:t>8/3/2020</a:t>
             </a:fld>
             <a:endParaRPr lang="en-US"/>
           </a:p>
@@ -5739,7 +5740,7 @@
           <a:p>
             <a:fld id="{A4E2CBE4-C0F8-416C-8CD2-31E6C03D3B1D}" type="datetime1">
               <a:rPr lang="en-US" smtClean="0"/>
-              <a:t>7/12/2020</a:t>
+              <a:t>8/3/2020</a:t>
             </a:fld>
             <a:endParaRPr lang="en-US"/>
           </a:p>
@@ -6501,7 +6502,7 @@
           <a:p>
             <a:fld id="{AB8BB4F7-2B92-4CAD-886E-AFE370334237}" type="datetime1">
               <a:rPr lang="en-US" smtClean="0"/>
-              <a:t>7/12/2020</a:t>
+              <a:t>8/3/2020</a:t>
             </a:fld>
             <a:endParaRPr lang="en-US"/>
           </a:p>
@@ -9226,6 +9227,242 @@
           <a:p>
             <a:r>
               <a:rPr lang="en-US" dirty="0" smtClean="0"/>
+              <a:t>Machine Learning</a:t>
+            </a:r>
+            <a:endParaRPr lang="en-US" dirty="0"/>
+          </a:p>
+        </p:txBody>
+      </p:sp>
+      <p:sp>
+        <p:nvSpPr>
+          <p:cNvPr id="3" name="Content Placeholder 2"/>
+          <p:cNvSpPr>
+            <a:spLocks noGrp="1"/>
+          </p:cNvSpPr>
+          <p:nvPr>
+            <p:ph idx="1"/>
+          </p:nvPr>
+        </p:nvSpPr>
+        <p:spPr>
+          <a:xfrm>
+            <a:off x="457200" y="1600200"/>
+            <a:ext cx="8001000" cy="4525963"/>
+          </a:xfrm>
+        </p:spPr>
+        <p:txBody>
+          <a:bodyPr>
+            <a:normAutofit lnSpcReduction="10000"/>
+          </a:bodyPr>
+          <a:lstStyle/>
+          <a:p>
+            <a:r>
+              <a:rPr lang="en-US" sz="1800" dirty="0" smtClean="0"/>
+              <a:t>Here 3 machine learning algorithms has been used and they are as follows</a:t>
+            </a:r>
+          </a:p>
+          <a:p>
+            <a:pPr marL="36576" indent="0">
+              <a:buNone/>
+            </a:pPr>
+            <a:r>
+              <a:rPr lang="en-US" sz="1800" dirty="0"/>
+              <a:t> </a:t>
+            </a:r>
+            <a:r>
+              <a:rPr lang="en-US" sz="1800" dirty="0" smtClean="0"/>
+              <a:t>     - Linear Regression</a:t>
+            </a:r>
+          </a:p>
+          <a:p>
+            <a:pPr marL="36576" indent="0">
+              <a:buNone/>
+            </a:pPr>
+            <a:r>
+              <a:rPr lang="en-US" sz="1800" dirty="0"/>
+              <a:t> </a:t>
+            </a:r>
+            <a:r>
+              <a:rPr lang="en-US" sz="1800" dirty="0" smtClean="0"/>
+              <a:t>     - K Nearest Neighbor (</a:t>
+            </a:r>
+            <a:r>
+              <a:rPr lang="en-US" sz="1800" dirty="0"/>
+              <a:t>K</a:t>
+            </a:r>
+            <a:r>
+              <a:rPr lang="en-US" sz="1800" dirty="0" smtClean="0"/>
+              <a:t>NN)</a:t>
+            </a:r>
+          </a:p>
+          <a:p>
+            <a:pPr marL="36576" indent="0">
+              <a:buNone/>
+            </a:pPr>
+            <a:r>
+              <a:rPr lang="en-US" sz="1800" dirty="0"/>
+              <a:t> </a:t>
+            </a:r>
+            <a:r>
+              <a:rPr lang="en-US" sz="1800" dirty="0" smtClean="0"/>
+              <a:t>     - Decision Tree</a:t>
+            </a:r>
+          </a:p>
+          <a:p>
+            <a:pPr marL="36576" indent="0">
+              <a:buNone/>
+            </a:pPr>
+            <a:endParaRPr lang="en-US" sz="1800" dirty="0"/>
+          </a:p>
+          <a:p>
+            <a:r>
+              <a:rPr lang="en-US" sz="1800" dirty="0" smtClean="0"/>
+              <a:t>With Linear Regression, Root Mean </a:t>
+            </a:r>
+            <a:r>
+              <a:rPr lang="en-US" sz="1800" dirty="0"/>
+              <a:t>Square Error = </a:t>
+            </a:r>
+            <a:r>
+              <a:rPr lang="en-US" sz="1800" dirty="0" smtClean="0"/>
+              <a:t>5685.5859</a:t>
+            </a:r>
+          </a:p>
+          <a:p>
+            <a:endParaRPr lang="en-US" sz="1800" dirty="0"/>
+          </a:p>
+          <a:p>
+            <a:r>
+              <a:rPr lang="en-US" sz="1800" dirty="0" smtClean="0"/>
+              <a:t>With KNN, Root </a:t>
+            </a:r>
+            <a:r>
+              <a:rPr lang="en-US" sz="1800" dirty="0"/>
+              <a:t>Mean Square Error = </a:t>
+            </a:r>
+            <a:r>
+              <a:rPr lang="en-US" sz="1800" dirty="0" smtClean="0"/>
+              <a:t>5109.5501</a:t>
+            </a:r>
+          </a:p>
+          <a:p>
+            <a:endParaRPr lang="en-US" sz="1800" dirty="0"/>
+          </a:p>
+          <a:p>
+            <a:r>
+              <a:rPr lang="en-US" sz="1800" dirty="0" smtClean="0"/>
+              <a:t>With Decision Tree, Root Mean </a:t>
+            </a:r>
+            <a:r>
+              <a:rPr lang="en-US" sz="1800" dirty="0"/>
+              <a:t>Square Error = </a:t>
+            </a:r>
+            <a:r>
+              <a:rPr lang="en-US" sz="1800" dirty="0" smtClean="0"/>
+              <a:t>7643.20356</a:t>
+            </a:r>
+          </a:p>
+          <a:p>
+            <a:endParaRPr lang="en-US" sz="1800" dirty="0"/>
+          </a:p>
+          <a:p>
+            <a:r>
+              <a:rPr lang="en-US" sz="1800" dirty="0"/>
+              <a:t>Hence, we can conclude that we are getting best results from </a:t>
+            </a:r>
+            <a:r>
+              <a:rPr lang="en-US" sz="1800" dirty="0" smtClean="0"/>
+              <a:t>KNN </a:t>
+            </a:r>
+            <a:r>
+              <a:rPr lang="en-US" sz="1800" dirty="0"/>
+              <a:t>Algorithm</a:t>
+            </a:r>
+            <a:r>
+              <a:rPr lang="en-US" sz="1800" dirty="0" smtClean="0"/>
+              <a:t>.</a:t>
+            </a:r>
+          </a:p>
+          <a:p>
+            <a:endParaRPr lang="en-US" sz="1800" dirty="0"/>
+          </a:p>
+          <a:p>
+            <a:pPr marL="36576" indent="0">
+              <a:buNone/>
+            </a:pPr>
+            <a:endParaRPr lang="en-US" sz="1800" dirty="0"/>
+          </a:p>
+        </p:txBody>
+      </p:sp>
+      <p:sp>
+        <p:nvSpPr>
+          <p:cNvPr id="4" name="Slide Number Placeholder 3"/>
+          <p:cNvSpPr>
+            <a:spLocks noGrp="1"/>
+          </p:cNvSpPr>
+          <p:nvPr>
+            <p:ph type="sldNum" sz="quarter" idx="12"/>
+          </p:nvPr>
+        </p:nvSpPr>
+        <p:spPr/>
+        <p:txBody>
+          <a:bodyPr/>
+          <a:lstStyle/>
+          <a:p>
+            <a:fld id="{6A489BE7-6E1A-4873-8903-81F17C5F60F9}" type="slidenum">
+              <a:rPr lang="en-US" smtClean="0"/>
+              <a:t>15</a:t>
+            </a:fld>
+            <a:endParaRPr lang="en-US"/>
+          </a:p>
+        </p:txBody>
+      </p:sp>
+    </p:spTree>
+    <p:extLst>
+      <p:ext uri="{BB962C8B-B14F-4D97-AF65-F5344CB8AC3E}">
+        <p14:creationId xmlns:p14="http://schemas.microsoft.com/office/powerpoint/2010/main" val="2740294663"/>
+      </p:ext>
+    </p:extLst>
+  </p:cSld>
+  <p:clrMapOvr>
+    <a:masterClrMapping/>
+  </p:clrMapOvr>
+</p:sld>
+</file>
+
+<file path=ppt/slides/slide16.xml><?xml version="1.0" encoding="utf-8"?>
+<p:sld xmlns:a="http://schemas.openxmlformats.org/drawingml/2006/main" xmlns:r="http://schemas.openxmlformats.org/officeDocument/2006/relationships" xmlns:p="http://schemas.openxmlformats.org/presentationml/2006/main">
+  <p:cSld>
+    <p:spTree>
+      <p:nvGrpSpPr>
+        <p:cNvPr id="1" name=""/>
+        <p:cNvGrpSpPr/>
+        <p:nvPr/>
+      </p:nvGrpSpPr>
+      <p:grpSpPr>
+        <a:xfrm>
+          <a:off x="0" y="0"/>
+          <a:ext cx="0" cy="0"/>
+          <a:chOff x="0" y="0"/>
+          <a:chExt cx="0" cy="0"/>
+        </a:xfrm>
+      </p:grpSpPr>
+      <p:sp>
+        <p:nvSpPr>
+          <p:cNvPr id="2" name="Title 1"/>
+          <p:cNvSpPr>
+            <a:spLocks noGrp="1"/>
+          </p:cNvSpPr>
+          <p:nvPr>
+            <p:ph type="title"/>
+          </p:nvPr>
+        </p:nvSpPr>
+        <p:spPr/>
+        <p:txBody>
+          <a:bodyPr/>
+          <a:lstStyle/>
+          <a:p>
+            <a:r>
+              <a:rPr lang="en-US" dirty="0" smtClean="0"/>
               <a:t>CONCLUSION</a:t>
             </a:r>
             <a:endParaRPr lang="en-US" dirty="0"/>
@@ -9250,14 +9487,35 @@
         </p:spPr>
         <p:txBody>
           <a:bodyPr>
-            <a:normAutofit lnSpcReduction="10000"/>
+            <a:normAutofit/>
           </a:bodyPr>
           <a:lstStyle/>
           <a:p>
             <a:pPr algn="just"/>
             <a:r>
-              <a:rPr lang="en-US" sz="2000" dirty="0"/>
-              <a:t>As per the New Charges that has been predicted, person with elder age, more number of dependencies and smoking  is eligible for more individual medical cost billed by the health insurance</a:t>
+              <a:rPr lang="en-US" sz="2000" dirty="0" smtClean="0"/>
+              <a:t>As </a:t>
+            </a:r>
+            <a:r>
+              <a:rPr lang="en-US" sz="2000" dirty="0" smtClean="0"/>
+              <a:t>per EDA, we can conclude that the Target feature is majorly dependent on </a:t>
+            </a:r>
+            <a:r>
+              <a:rPr lang="en-US" sz="2000" dirty="0" smtClean="0"/>
+              <a:t>features Age, Smoker, Children</a:t>
+            </a:r>
+          </a:p>
+          <a:p>
+            <a:pPr marL="36576" indent="0" algn="just">
+              <a:buNone/>
+            </a:pPr>
+            <a:endParaRPr lang="en-US" sz="2000" dirty="0" smtClean="0"/>
+          </a:p>
+          <a:p>
+            <a:pPr algn="just"/>
+            <a:r>
+              <a:rPr lang="en-US" sz="2000" dirty="0" smtClean="0"/>
+              <a:t>As per the visualization, it is clearly visible that Sex, BMI, Region features are not affecting the Target Feature (Charges) much</a:t>
             </a:r>
             <a:r>
               <a:rPr lang="en-US" sz="2000" dirty="0" smtClean="0"/>
@@ -9265,56 +9523,16 @@
             </a:r>
           </a:p>
           <a:p>
-            <a:pPr algn="just"/>
-            <a:r>
-              <a:rPr lang="en-US" sz="2000" dirty="0" smtClean="0"/>
-              <a:t>As per EDA, we can conclude that the Target feature is majorly dependent on the following features:</a:t>
-            </a:r>
-          </a:p>
-          <a:p>
-            <a:pPr marL="0" indent="0" algn="just">
+            <a:pPr marL="36576" indent="0" algn="just">
               <a:buNone/>
             </a:pPr>
-            <a:r>
-              <a:rPr lang="en-US" sz="2000" dirty="0"/>
-              <a:t> </a:t>
-            </a:r>
+            <a:endParaRPr lang="en-US" sz="2000" dirty="0" smtClean="0"/>
+          </a:p>
+          <a:p>
+            <a:pPr algn="just"/>
             <a:r>
               <a:rPr lang="en-US" sz="2000" dirty="0" smtClean="0"/>
-              <a:t>     -  Age</a:t>
-            </a:r>
-          </a:p>
-          <a:p>
-            <a:pPr marL="0" indent="0" algn="just">
-              <a:buNone/>
-            </a:pPr>
-            <a:r>
-              <a:rPr lang="en-US" sz="2000" dirty="0"/>
-              <a:t> </a:t>
-            </a:r>
-            <a:r>
-              <a:rPr lang="en-US" sz="2000" dirty="0" smtClean="0"/>
-              <a:t>     -  Smoker</a:t>
-            </a:r>
-          </a:p>
-          <a:p>
-            <a:pPr marL="0" indent="0" algn="just">
-              <a:buNone/>
-            </a:pPr>
-            <a:r>
-              <a:rPr lang="en-US" sz="2000" dirty="0"/>
-              <a:t> </a:t>
-            </a:r>
-            <a:r>
-              <a:rPr lang="en-US" sz="2000" dirty="0" smtClean="0"/>
-              <a:t>     -  Children</a:t>
-            </a:r>
-          </a:p>
-          <a:p>
-            <a:pPr algn="just"/>
-            <a:r>
-              <a:rPr lang="en-US" sz="2000" dirty="0" smtClean="0"/>
-              <a:t>As per the visualization, it is clearly visible that Sex, BMI, Region features are not affecting the Target Feature (Charges) much</a:t>
+              <a:t>Based on feature engineering, we can observe that maximum people claiming for medical insurance are old-aged people and over-weight people</a:t>
             </a:r>
             <a:r>
               <a:rPr lang="en-US" sz="2000" dirty="0" smtClean="0"/>
@@ -9323,9 +9541,49 @@
           </a:p>
           <a:p>
             <a:pPr algn="just"/>
+            <a:endParaRPr lang="en-US" sz="2000" dirty="0"/>
+          </a:p>
+          <a:p>
+            <a:pPr algn="just"/>
             <a:r>
               <a:rPr lang="en-US" sz="2000" dirty="0" smtClean="0"/>
-              <a:t>Based on feature engineering, we can observe that maximum people claiming for medical insurance are old-aged people and over-weight people.</a:t>
+              <a:t>We </a:t>
+            </a:r>
+            <a:r>
+              <a:rPr lang="en-US" sz="2000" dirty="0"/>
+              <a:t>can conclude that we are getting best results from </a:t>
+            </a:r>
+            <a:r>
+              <a:rPr lang="en-US" sz="2000" i="1" dirty="0"/>
+              <a:t>KNN </a:t>
+            </a:r>
+            <a:r>
+              <a:rPr lang="en-US" sz="2000" i="1" dirty="0" smtClean="0"/>
+              <a:t>Algorithm</a:t>
+            </a:r>
+            <a:r>
+              <a:rPr lang="en-US" sz="2000" dirty="0" smtClean="0"/>
+              <a:t> since it is giving </a:t>
+            </a:r>
+            <a:r>
+              <a:rPr lang="en-US" sz="2000" i="1" dirty="0"/>
+              <a:t>M</a:t>
+            </a:r>
+            <a:r>
+              <a:rPr lang="en-US" sz="2000" i="1" dirty="0" smtClean="0"/>
+              <a:t>inimum Error </a:t>
+            </a:r>
+            <a:r>
+              <a:rPr lang="en-US" sz="2000" i="1" dirty="0"/>
+              <a:t>V</a:t>
+            </a:r>
+            <a:r>
+              <a:rPr lang="en-US" sz="2000" i="1" dirty="0" smtClean="0"/>
+              <a:t>alue</a:t>
+            </a:r>
+            <a:r>
+              <a:rPr lang="en-US" sz="2000" dirty="0" smtClean="0"/>
+              <a:t>.</a:t>
             </a:r>
             <a:endParaRPr lang="en-US" sz="2000" dirty="0"/>
           </a:p>
@@ -9354,7 +9612,7 @@
           <a:p>
             <a:fld id="{6A489BE7-6E1A-4873-8903-81F17C5F60F9}" type="slidenum">
               <a:rPr lang="en-US" smtClean="0"/>
-              <a:t>15</a:t>
+              <a:t>16</a:t>
             </a:fld>
             <a:endParaRPr lang="en-US"/>
           </a:p>
@@ -9380,7 +9638,7 @@
 </p:sld>
 </file>
 
-<file path=ppt/slides/slide16.xml><?xml version="1.0" encoding="utf-8"?>
+<file path=ppt/slides/slide17.xml><?xml version="1.0" encoding="utf-8"?>
 <p:sld xmlns:a="http://schemas.openxmlformats.org/drawingml/2006/main" xmlns:r="http://schemas.openxmlformats.org/officeDocument/2006/relationships" xmlns:p="http://schemas.openxmlformats.org/presentationml/2006/main">
   <p:cSld>
     <p:spTree>
@@ -9463,7 +9721,7 @@
           <a:p>
             <a:fld id="{6A489BE7-6E1A-4873-8903-81F17C5F60F9}" type="slidenum">
               <a:rPr lang="en-US" smtClean="0"/>
-              <a:t>16</a:t>
+              <a:t>17</a:t>
             </a:fld>
             <a:endParaRPr lang="en-US"/>
           </a:p>
@@ -10751,15 +11009,7 @@
             </a:r>
             <a:r>
               <a:rPr lang="en-US" sz="2000" dirty="0" smtClean="0"/>
-              <a:t> on other features </a:t>
-            </a:r>
-            <a:r>
-              <a:rPr lang="en-US" sz="2000" dirty="0" smtClean="0"/>
-              <a:t>i.e</a:t>
-            </a:r>
-            <a:r>
-              <a:rPr lang="en-US" sz="2000" dirty="0" smtClean="0"/>
-              <a:t>. Age, Sex, BMI, Children, Smoker, and Region.</a:t>
+              <a:t> on other features i.e. Age, Sex, BMI, Children, Smoker, and Region.</a:t>
             </a:r>
           </a:p>
           <a:p>
